--- a/ppt/5. Client Apps/Client Application Considerations.pptx
+++ b/ppt/5. Client Apps/Client Application Considerations.pptx
@@ -12,6 +12,7 @@
     <p:sldId id="257" r:id="rId6"/>
     <p:sldId id="258" r:id="rId7"/>
     <p:sldId id="259" r:id="rId8"/>
+    <p:sldId id="264" r:id="rId9"/>
   </p:sldIdLst>
   <p:sldSz cx="12192000" cy="6858000"/>
   <p:notesSz cx="6858000" cy="9144000"/>
@@ -314,7 +315,7 @@
           <a:p>
             <a:fld id="{AEDAFDD2-0581-4F49-9E6C-AFEC91561B27}" type="datetimeFigureOut">
               <a:rPr lang="en-US" smtClean="0"/>
-              <a:t>7/9/2018</a:t>
+              <a:t>7/10/2018</a:t>
             </a:fld>
             <a:endParaRPr lang="en-US"/>
           </a:p>
@@ -595,7 +596,7 @@
           <a:p>
             <a:fld id="{AEDAFDD2-0581-4F49-9E6C-AFEC91561B27}" type="datetimeFigureOut">
               <a:rPr lang="en-US" smtClean="0"/>
-              <a:t>7/9/2018</a:t>
+              <a:t>7/10/2018</a:t>
             </a:fld>
             <a:endParaRPr lang="en-US"/>
           </a:p>
@@ -787,7 +788,7 @@
           <a:p>
             <a:fld id="{AEDAFDD2-0581-4F49-9E6C-AFEC91561B27}" type="datetimeFigureOut">
               <a:rPr lang="en-US" smtClean="0"/>
-              <a:t>7/9/2018</a:t>
+              <a:t>7/10/2018</a:t>
             </a:fld>
             <a:endParaRPr lang="en-US"/>
           </a:p>
@@ -1048,7 +1049,7 @@
           <a:p>
             <a:fld id="{AEDAFDD2-0581-4F49-9E6C-AFEC91561B27}" type="datetimeFigureOut">
               <a:rPr lang="en-US" smtClean="0"/>
-              <a:t>7/9/2018</a:t>
+              <a:t>7/10/2018</a:t>
             </a:fld>
             <a:endParaRPr lang="en-US"/>
           </a:p>
@@ -1474,7 +1475,7 @@
           <a:p>
             <a:fld id="{AEDAFDD2-0581-4F49-9E6C-AFEC91561B27}" type="datetimeFigureOut">
               <a:rPr lang="en-US" smtClean="0"/>
-              <a:t>7/9/2018</a:t>
+              <a:t>7/10/2018</a:t>
             </a:fld>
             <a:endParaRPr lang="en-US"/>
           </a:p>
@@ -2020,7 +2021,7 @@
           <a:p>
             <a:fld id="{AEDAFDD2-0581-4F49-9E6C-AFEC91561B27}" type="datetimeFigureOut">
               <a:rPr lang="en-US" smtClean="0"/>
-              <a:t>7/9/2018</a:t>
+              <a:t>7/10/2018</a:t>
             </a:fld>
             <a:endParaRPr lang="en-US"/>
           </a:p>
@@ -2851,7 +2852,7 @@
           <a:p>
             <a:fld id="{AEDAFDD2-0581-4F49-9E6C-AFEC91561B27}" type="datetimeFigureOut">
               <a:rPr lang="en-US" smtClean="0"/>
-              <a:t>7/9/2018</a:t>
+              <a:t>7/10/2018</a:t>
             </a:fld>
             <a:endParaRPr lang="en-US"/>
           </a:p>
@@ -3021,7 +3022,7 @@
           <a:p>
             <a:fld id="{AEDAFDD2-0581-4F49-9E6C-AFEC91561B27}" type="datetimeFigureOut">
               <a:rPr lang="en-US" smtClean="0"/>
-              <a:t>7/9/2018</a:t>
+              <a:t>7/10/2018</a:t>
             </a:fld>
             <a:endParaRPr lang="en-US"/>
           </a:p>
@@ -3201,7 +3202,7 @@
           <a:p>
             <a:fld id="{AEDAFDD2-0581-4F49-9E6C-AFEC91561B27}" type="datetimeFigureOut">
               <a:rPr lang="en-US" smtClean="0"/>
-              <a:t>7/9/2018</a:t>
+              <a:t>7/10/2018</a:t>
             </a:fld>
             <a:endParaRPr lang="en-US"/>
           </a:p>
@@ -3396,7 +3397,7 @@
           <a:p>
             <a:fld id="{AEDAFDD2-0581-4F49-9E6C-AFEC91561B27}" type="datetimeFigureOut">
               <a:rPr lang="en-US" smtClean="0"/>
-              <a:t>7/9/2018</a:t>
+              <a:t>7/10/2018</a:t>
             </a:fld>
             <a:endParaRPr lang="en-US"/>
           </a:p>
@@ -3653,7 +3654,7 @@
           <a:p>
             <a:fld id="{AEDAFDD2-0581-4F49-9E6C-AFEC91561B27}" type="datetimeFigureOut">
               <a:rPr lang="en-US" smtClean="0"/>
-              <a:t>7/9/2018</a:t>
+              <a:t>7/10/2018</a:t>
             </a:fld>
             <a:endParaRPr lang="en-US"/>
           </a:p>
@@ -3885,7 +3886,7 @@
           <a:p>
             <a:fld id="{AEDAFDD2-0581-4F49-9E6C-AFEC91561B27}" type="datetimeFigureOut">
               <a:rPr lang="en-US" smtClean="0"/>
-              <a:t>7/9/2018</a:t>
+              <a:t>7/10/2018</a:t>
             </a:fld>
             <a:endParaRPr lang="en-US"/>
           </a:p>
@@ -4278,7 +4279,7 @@
           <a:p>
             <a:fld id="{AEDAFDD2-0581-4F49-9E6C-AFEC91561B27}" type="datetimeFigureOut">
               <a:rPr lang="en-US" smtClean="0"/>
-              <a:t>7/9/2018</a:t>
+              <a:t>7/10/2018</a:t>
             </a:fld>
             <a:endParaRPr lang="en-US"/>
           </a:p>
@@ -4396,7 +4397,7 @@
           <a:p>
             <a:fld id="{AEDAFDD2-0581-4F49-9E6C-AFEC91561B27}" type="datetimeFigureOut">
               <a:rPr lang="en-US" smtClean="0"/>
-              <a:t>7/9/2018</a:t>
+              <a:t>7/10/2018</a:t>
             </a:fld>
             <a:endParaRPr lang="en-US"/>
           </a:p>
@@ -4491,7 +4492,7 @@
           <a:p>
             <a:fld id="{AEDAFDD2-0581-4F49-9E6C-AFEC91561B27}" type="datetimeFigureOut">
               <a:rPr lang="en-US" smtClean="0"/>
-              <a:t>7/9/2018</a:t>
+              <a:t>7/10/2018</a:t>
             </a:fld>
             <a:endParaRPr lang="en-US"/>
           </a:p>
@@ -4764,7 +4765,7 @@
           <a:p>
             <a:fld id="{AEDAFDD2-0581-4F49-9E6C-AFEC91561B27}" type="datetimeFigureOut">
               <a:rPr lang="en-US" smtClean="0"/>
-              <a:t>7/9/2018</a:t>
+              <a:t>7/10/2018</a:t>
             </a:fld>
             <a:endParaRPr lang="en-US"/>
           </a:p>
@@ -5045,7 +5046,7 @@
           <a:p>
             <a:fld id="{AEDAFDD2-0581-4F49-9E6C-AFEC91561B27}" type="datetimeFigureOut">
               <a:rPr lang="en-US" smtClean="0"/>
-              <a:t>7/9/2018</a:t>
+              <a:t>7/10/2018</a:t>
             </a:fld>
             <a:endParaRPr lang="en-US"/>
           </a:p>
@@ -5283,7 +5284,7 @@
           <a:p>
             <a:fld id="{AEDAFDD2-0581-4F49-9E6C-AFEC91561B27}" type="datetimeFigureOut">
               <a:rPr lang="en-US" smtClean="0"/>
-              <a:t>7/9/2018</a:t>
+              <a:t>7/10/2018</a:t>
             </a:fld>
             <a:endParaRPr lang="en-US"/>
           </a:p>
@@ -7018,7 +7019,7 @@
           <a:p>
             <a:r>
               <a:rPr lang="en-US" dirty="0"/>
-              <a:t>Finally</a:t>
+              <a:t>Assorted…</a:t>
             </a:r>
           </a:p>
         </p:txBody>
@@ -7121,6 +7122,163 @@
     <p:extLst>
       <p:ext uri="{BB962C8B-B14F-4D97-AF65-F5344CB8AC3E}">
         <p14:creationId xmlns:p14="http://schemas.microsoft.com/office/powerpoint/2010/main" val="2230099424"/>
+      </p:ext>
+    </p:extLst>
+  </p:cSld>
+  <p:clrMapOvr>
+    <a:masterClrMapping/>
+  </p:clrMapOvr>
+</p:sld>
+</file>
+
+<file path=ppt/slides/slide8.xml><?xml version="1.0" encoding="utf-8"?>
+<p:sld xmlns:a="http://schemas.openxmlformats.org/drawingml/2006/main" xmlns:r="http://schemas.openxmlformats.org/officeDocument/2006/relationships" xmlns:p="http://schemas.openxmlformats.org/presentationml/2006/main">
+  <p:cSld>
+    <p:spTree>
+      <p:nvGrpSpPr>
+        <p:cNvPr id="1" name=""/>
+        <p:cNvGrpSpPr/>
+        <p:nvPr/>
+      </p:nvGrpSpPr>
+      <p:grpSpPr>
+        <a:xfrm>
+          <a:off x="0" y="0"/>
+          <a:ext cx="0" cy="0"/>
+          <a:chOff x="0" y="0"/>
+          <a:chExt cx="0" cy="0"/>
+        </a:xfrm>
+      </p:grpSpPr>
+      <p:sp>
+        <p:nvSpPr>
+          <p:cNvPr id="2" name="Title 1">
+            <a:extLst>
+              <a:ext uri="{FF2B5EF4-FFF2-40B4-BE49-F238E27FC236}">
+                <a16:creationId xmlns:a16="http://schemas.microsoft.com/office/drawing/2014/main" id="{8490DCF2-0A28-4F86-81A1-955B69B4B1A4}"/>
+              </a:ext>
+            </a:extLst>
+          </p:cNvPr>
+          <p:cNvSpPr>
+            <a:spLocks noGrp="1"/>
+          </p:cNvSpPr>
+          <p:nvPr>
+            <p:ph type="title"/>
+          </p:nvPr>
+        </p:nvSpPr>
+        <p:spPr/>
+        <p:txBody>
+          <a:bodyPr/>
+          <a:lstStyle/>
+          <a:p>
+            <a:r>
+              <a:rPr lang="en-US" dirty="0"/>
+              <a:t>Getting the data … </a:t>
+            </a:r>
+            <a:r>
+              <a:rPr lang="en-US"/>
+              <a:t>The Decision!</a:t>
+            </a:r>
+            <a:endParaRPr lang="en-US" dirty="0"/>
+          </a:p>
+        </p:txBody>
+      </p:sp>
+      <p:sp>
+        <p:nvSpPr>
+          <p:cNvPr id="3" name="Content Placeholder 2">
+            <a:extLst>
+              <a:ext uri="{FF2B5EF4-FFF2-40B4-BE49-F238E27FC236}">
+                <a16:creationId xmlns:a16="http://schemas.microsoft.com/office/drawing/2014/main" id="{8A6C7AC5-AC8F-41D0-AAB6-036F0EE8EBEA}"/>
+              </a:ext>
+            </a:extLst>
+          </p:cNvPr>
+          <p:cNvSpPr>
+            <a:spLocks noGrp="1"/>
+          </p:cNvSpPr>
+          <p:nvPr>
+            <p:ph idx="1"/>
+          </p:nvPr>
+        </p:nvSpPr>
+        <p:spPr/>
+        <p:txBody>
+          <a:bodyPr>
+            <a:normAutofit/>
+          </a:bodyPr>
+          <a:lstStyle/>
+          <a:p>
+            <a:r>
+              <a:rPr lang="en-US" dirty="0"/>
+              <a:t>Straight SQL</a:t>
+            </a:r>
+          </a:p>
+          <a:p>
+            <a:pPr lvl="1"/>
+            <a:r>
+              <a:rPr lang="en-US" dirty="0"/>
+              <a:t>Embed SQL or stored procedures in an application and use </a:t>
+            </a:r>
+            <a:r>
+              <a:rPr lang="en-US" dirty="0" err="1"/>
+              <a:t>SqlDataReaders</a:t>
+            </a:r>
+            <a:endParaRPr lang="en-US" dirty="0"/>
+          </a:p>
+          <a:p>
+            <a:r>
+              <a:rPr lang="en-US" dirty="0"/>
+              <a:t>Mapper like Dapper</a:t>
+            </a:r>
+          </a:p>
+          <a:p>
+            <a:pPr lvl="1"/>
+            <a:r>
+              <a:rPr lang="en-US" dirty="0"/>
+              <a:t>Like above but use Dapper to map to classes</a:t>
+            </a:r>
+          </a:p>
+          <a:p>
+            <a:r>
+              <a:rPr lang="en-US" dirty="0"/>
+              <a:t>ORM like Entity Framework</a:t>
+            </a:r>
+          </a:p>
+          <a:p>
+            <a:pPr lvl="1"/>
+            <a:r>
+              <a:rPr lang="en-US" dirty="0"/>
+              <a:t>SQL reuses parametrized queries better</a:t>
+            </a:r>
+          </a:p>
+          <a:p>
+            <a:pPr lvl="1"/>
+            <a:r>
+              <a:rPr lang="en-US" dirty="0"/>
+              <a:t>The SQL can be HORRIBLE!  But more reusable</a:t>
+            </a:r>
+          </a:p>
+          <a:p>
+            <a:r>
+              <a:rPr lang="en-US" dirty="0"/>
+              <a:t>Stored Procedures let you update SQL without deploying apps</a:t>
+            </a:r>
+          </a:p>
+          <a:p>
+            <a:pPr lvl="1"/>
+            <a:r>
+              <a:rPr lang="en-US" dirty="0"/>
+              <a:t>Adding NOLOCKs</a:t>
+            </a:r>
+          </a:p>
+          <a:p>
+            <a:r>
+              <a:rPr lang="en-US" b="1" dirty="0"/>
+              <a:t>Be consistent and do what you’re best at</a:t>
+            </a:r>
+          </a:p>
+        </p:txBody>
+      </p:sp>
+    </p:spTree>
+    <p:extLst>
+      <p:ext uri="{BB962C8B-B14F-4D97-AF65-F5344CB8AC3E}">
+        <p14:creationId xmlns:p14="http://schemas.microsoft.com/office/powerpoint/2010/main" val="289381163"/>
       </p:ext>
     </p:extLst>
   </p:cSld>

--- a/ppt/5. Client Apps/Client Application Considerations.pptx
+++ b/ppt/5. Client Apps/Client Application Considerations.pptx
@@ -7251,7 +7251,7 @@
             <a:pPr lvl="1"/>
             <a:r>
               <a:rPr lang="en-US" dirty="0"/>
-              <a:t>The SQL can be HORRIBLE!  But more reusable</a:t>
+              <a:t>The SQL can be HORRIBLE!  But still reusable</a:t>
             </a:r>
           </a:p>
           <a:p>

--- a/ppt/5. Client Apps/Client Application Considerations.pptx
+++ b/ppt/5. Client Apps/Client Application Considerations.pptx
@@ -7019,7 +7019,7 @@
           <a:p>
             <a:r>
               <a:rPr lang="en-US" dirty="0"/>
-              <a:t>Assorted…</a:t>
+              <a:t>And don’t forget…</a:t>
             </a:r>
           </a:p>
         </p:txBody>

--- a/ppt/5. Client Apps/Client Application Considerations.pptx
+++ b/ppt/5. Client Apps/Client Application Considerations.pptx
@@ -13,6 +13,7 @@
     <p:sldId id="258" r:id="rId7"/>
     <p:sldId id="259" r:id="rId8"/>
     <p:sldId id="264" r:id="rId9"/>
+    <p:sldId id="265" r:id="rId10"/>
   </p:sldIdLst>
   <p:sldSz cx="12192000" cy="6858000"/>
   <p:notesSz cx="6858000" cy="9144000"/>
@@ -7288,6 +7289,89 @@
 </p:sld>
 </file>
 
+<file path=ppt/slides/slide9.xml><?xml version="1.0" encoding="utf-8"?>
+<p:sld xmlns:a="http://schemas.openxmlformats.org/drawingml/2006/main" xmlns:r="http://schemas.openxmlformats.org/officeDocument/2006/relationships" xmlns:p="http://schemas.openxmlformats.org/presentationml/2006/main">
+  <p:cSld>
+    <p:spTree>
+      <p:nvGrpSpPr>
+        <p:cNvPr id="1" name=""/>
+        <p:cNvGrpSpPr/>
+        <p:nvPr/>
+      </p:nvGrpSpPr>
+      <p:grpSpPr>
+        <a:xfrm>
+          <a:off x="0" y="0"/>
+          <a:ext cx="0" cy="0"/>
+          <a:chOff x="0" y="0"/>
+          <a:chExt cx="0" cy="0"/>
+        </a:xfrm>
+      </p:grpSpPr>
+      <p:sp>
+        <p:nvSpPr>
+          <p:cNvPr id="2" name="Title 1">
+            <a:extLst>
+              <a:ext uri="{FF2B5EF4-FFF2-40B4-BE49-F238E27FC236}">
+                <a16:creationId xmlns:a16="http://schemas.microsoft.com/office/drawing/2014/main" id="{4CB8407C-2099-4EAB-9625-AB3791E7C408}"/>
+              </a:ext>
+            </a:extLst>
+          </p:cNvPr>
+          <p:cNvSpPr>
+            <a:spLocks noGrp="1"/>
+          </p:cNvSpPr>
+          <p:nvPr>
+            <p:ph type="ctrTitle"/>
+          </p:nvPr>
+        </p:nvSpPr>
+        <p:spPr/>
+        <p:txBody>
+          <a:bodyPr/>
+          <a:lstStyle/>
+          <a:p>
+            <a:r>
+              <a:rPr lang="en-US"/>
+              <a:t>Questions?</a:t>
+            </a:r>
+          </a:p>
+        </p:txBody>
+      </p:sp>
+      <p:sp>
+        <p:nvSpPr>
+          <p:cNvPr id="3" name="Subtitle 2">
+            <a:extLst>
+              <a:ext uri="{FF2B5EF4-FFF2-40B4-BE49-F238E27FC236}">
+                <a16:creationId xmlns:a16="http://schemas.microsoft.com/office/drawing/2014/main" id="{7EF84F78-5F5D-45CE-8D7C-88601550DD88}"/>
+              </a:ext>
+            </a:extLst>
+          </p:cNvPr>
+          <p:cNvSpPr>
+            <a:spLocks noGrp="1"/>
+          </p:cNvSpPr>
+          <p:nvPr>
+            <p:ph type="subTitle" idx="1"/>
+          </p:nvPr>
+        </p:nvSpPr>
+        <p:spPr/>
+        <p:txBody>
+          <a:bodyPr/>
+          <a:lstStyle/>
+          <a:p>
+            <a:endParaRPr lang="en-US"/>
+          </a:p>
+        </p:txBody>
+      </p:sp>
+    </p:spTree>
+    <p:extLst>
+      <p:ext uri="{BB962C8B-B14F-4D97-AF65-F5344CB8AC3E}">
+        <p14:creationId xmlns:p14="http://schemas.microsoft.com/office/powerpoint/2010/main" val="4206401723"/>
+      </p:ext>
+    </p:extLst>
+  </p:cSld>
+  <p:clrMapOvr>
+    <a:masterClrMapping/>
+  </p:clrMapOvr>
+</p:sld>
+</file>
+
 <file path=ppt/theme/theme1.xml><?xml version="1.0" encoding="utf-8"?>
 <a:theme xmlns:a="http://schemas.openxmlformats.org/drawingml/2006/main" name="Depth">
   <a:themeElements>

--- a/ppt/5. Client Apps/Client Application Considerations.pptx
+++ b/ppt/5. Client Apps/Client Application Considerations.pptx
@@ -11,9 +11,10 @@
     <p:sldId id="263" r:id="rId5"/>
     <p:sldId id="257" r:id="rId6"/>
     <p:sldId id="258" r:id="rId7"/>
-    <p:sldId id="259" r:id="rId8"/>
-    <p:sldId id="264" r:id="rId9"/>
-    <p:sldId id="265" r:id="rId10"/>
+    <p:sldId id="267" r:id="rId8"/>
+    <p:sldId id="259" r:id="rId9"/>
+    <p:sldId id="264" r:id="rId10"/>
+    <p:sldId id="265" r:id="rId11"/>
   </p:sldIdLst>
   <p:sldSz cx="12192000" cy="6858000"/>
   <p:notesSz cx="6858000" cy="9144000"/>
@@ -316,7 +317,7 @@
           <a:p>
             <a:fld id="{AEDAFDD2-0581-4F49-9E6C-AFEC91561B27}" type="datetimeFigureOut">
               <a:rPr lang="en-US" smtClean="0"/>
-              <a:t>7/10/2018</a:t>
+              <a:t>7/11/2018</a:t>
             </a:fld>
             <a:endParaRPr lang="en-US"/>
           </a:p>
@@ -597,7 +598,7 @@
           <a:p>
             <a:fld id="{AEDAFDD2-0581-4F49-9E6C-AFEC91561B27}" type="datetimeFigureOut">
               <a:rPr lang="en-US" smtClean="0"/>
-              <a:t>7/10/2018</a:t>
+              <a:t>7/11/2018</a:t>
             </a:fld>
             <a:endParaRPr lang="en-US"/>
           </a:p>
@@ -789,7 +790,7 @@
           <a:p>
             <a:fld id="{AEDAFDD2-0581-4F49-9E6C-AFEC91561B27}" type="datetimeFigureOut">
               <a:rPr lang="en-US" smtClean="0"/>
-              <a:t>7/10/2018</a:t>
+              <a:t>7/11/2018</a:t>
             </a:fld>
             <a:endParaRPr lang="en-US"/>
           </a:p>
@@ -1050,7 +1051,7 @@
           <a:p>
             <a:fld id="{AEDAFDD2-0581-4F49-9E6C-AFEC91561B27}" type="datetimeFigureOut">
               <a:rPr lang="en-US" smtClean="0"/>
-              <a:t>7/10/2018</a:t>
+              <a:t>7/11/2018</a:t>
             </a:fld>
             <a:endParaRPr lang="en-US"/>
           </a:p>
@@ -1476,7 +1477,7 @@
           <a:p>
             <a:fld id="{AEDAFDD2-0581-4F49-9E6C-AFEC91561B27}" type="datetimeFigureOut">
               <a:rPr lang="en-US" smtClean="0"/>
-              <a:t>7/10/2018</a:t>
+              <a:t>7/11/2018</a:t>
             </a:fld>
             <a:endParaRPr lang="en-US"/>
           </a:p>
@@ -2022,7 +2023,7 @@
           <a:p>
             <a:fld id="{AEDAFDD2-0581-4F49-9E6C-AFEC91561B27}" type="datetimeFigureOut">
               <a:rPr lang="en-US" smtClean="0"/>
-              <a:t>7/10/2018</a:t>
+              <a:t>7/11/2018</a:t>
             </a:fld>
             <a:endParaRPr lang="en-US"/>
           </a:p>
@@ -2853,7 +2854,7 @@
           <a:p>
             <a:fld id="{AEDAFDD2-0581-4F49-9E6C-AFEC91561B27}" type="datetimeFigureOut">
               <a:rPr lang="en-US" smtClean="0"/>
-              <a:t>7/10/2018</a:t>
+              <a:t>7/11/2018</a:t>
             </a:fld>
             <a:endParaRPr lang="en-US"/>
           </a:p>
@@ -3023,7 +3024,7 @@
           <a:p>
             <a:fld id="{AEDAFDD2-0581-4F49-9E6C-AFEC91561B27}" type="datetimeFigureOut">
               <a:rPr lang="en-US" smtClean="0"/>
-              <a:t>7/10/2018</a:t>
+              <a:t>7/11/2018</a:t>
             </a:fld>
             <a:endParaRPr lang="en-US"/>
           </a:p>
@@ -3203,7 +3204,7 @@
           <a:p>
             <a:fld id="{AEDAFDD2-0581-4F49-9E6C-AFEC91561B27}" type="datetimeFigureOut">
               <a:rPr lang="en-US" smtClean="0"/>
-              <a:t>7/10/2018</a:t>
+              <a:t>7/11/2018</a:t>
             </a:fld>
             <a:endParaRPr lang="en-US"/>
           </a:p>
@@ -3398,7 +3399,7 @@
           <a:p>
             <a:fld id="{AEDAFDD2-0581-4F49-9E6C-AFEC91561B27}" type="datetimeFigureOut">
               <a:rPr lang="en-US" smtClean="0"/>
-              <a:t>7/10/2018</a:t>
+              <a:t>7/11/2018</a:t>
             </a:fld>
             <a:endParaRPr lang="en-US"/>
           </a:p>
@@ -3655,7 +3656,7 @@
           <a:p>
             <a:fld id="{AEDAFDD2-0581-4F49-9E6C-AFEC91561B27}" type="datetimeFigureOut">
               <a:rPr lang="en-US" smtClean="0"/>
-              <a:t>7/10/2018</a:t>
+              <a:t>7/11/2018</a:t>
             </a:fld>
             <a:endParaRPr lang="en-US"/>
           </a:p>
@@ -3887,7 +3888,7 @@
           <a:p>
             <a:fld id="{AEDAFDD2-0581-4F49-9E6C-AFEC91561B27}" type="datetimeFigureOut">
               <a:rPr lang="en-US" smtClean="0"/>
-              <a:t>7/10/2018</a:t>
+              <a:t>7/11/2018</a:t>
             </a:fld>
             <a:endParaRPr lang="en-US"/>
           </a:p>
@@ -4280,7 +4281,7 @@
           <a:p>
             <a:fld id="{AEDAFDD2-0581-4F49-9E6C-AFEC91561B27}" type="datetimeFigureOut">
               <a:rPr lang="en-US" smtClean="0"/>
-              <a:t>7/10/2018</a:t>
+              <a:t>7/11/2018</a:t>
             </a:fld>
             <a:endParaRPr lang="en-US"/>
           </a:p>
@@ -4398,7 +4399,7 @@
           <a:p>
             <a:fld id="{AEDAFDD2-0581-4F49-9E6C-AFEC91561B27}" type="datetimeFigureOut">
               <a:rPr lang="en-US" smtClean="0"/>
-              <a:t>7/10/2018</a:t>
+              <a:t>7/11/2018</a:t>
             </a:fld>
             <a:endParaRPr lang="en-US"/>
           </a:p>
@@ -4493,7 +4494,7 @@
           <a:p>
             <a:fld id="{AEDAFDD2-0581-4F49-9E6C-AFEC91561B27}" type="datetimeFigureOut">
               <a:rPr lang="en-US" smtClean="0"/>
-              <a:t>7/10/2018</a:t>
+              <a:t>7/11/2018</a:t>
             </a:fld>
             <a:endParaRPr lang="en-US"/>
           </a:p>
@@ -4766,7 +4767,7 @@
           <a:p>
             <a:fld id="{AEDAFDD2-0581-4F49-9E6C-AFEC91561B27}" type="datetimeFigureOut">
               <a:rPr lang="en-US" smtClean="0"/>
-              <a:t>7/10/2018</a:t>
+              <a:t>7/11/2018</a:t>
             </a:fld>
             <a:endParaRPr lang="en-US"/>
           </a:p>
@@ -5047,7 +5048,7 @@
           <a:p>
             <a:fld id="{AEDAFDD2-0581-4F49-9E6C-AFEC91561B27}" type="datetimeFigureOut">
               <a:rPr lang="en-US" smtClean="0"/>
-              <a:t>7/10/2018</a:t>
+              <a:t>7/11/2018</a:t>
             </a:fld>
             <a:endParaRPr lang="en-US"/>
           </a:p>
@@ -5285,7 +5286,7 @@
           <a:p>
             <a:fld id="{AEDAFDD2-0581-4F49-9E6C-AFEC91561B27}" type="datetimeFigureOut">
               <a:rPr lang="en-US" smtClean="0"/>
-              <a:t>7/10/2018</a:t>
+              <a:t>7/11/2018</a:t>
             </a:fld>
             <a:endParaRPr lang="en-US"/>
           </a:p>
@@ -5915,6 +5916,89 @@
 </p:sld>
 </file>
 
+<file path=ppt/slides/slide10.xml><?xml version="1.0" encoding="utf-8"?>
+<p:sld xmlns:a="http://schemas.openxmlformats.org/drawingml/2006/main" xmlns:r="http://schemas.openxmlformats.org/officeDocument/2006/relationships" xmlns:p="http://schemas.openxmlformats.org/presentationml/2006/main">
+  <p:cSld>
+    <p:spTree>
+      <p:nvGrpSpPr>
+        <p:cNvPr id="1" name=""/>
+        <p:cNvGrpSpPr/>
+        <p:nvPr/>
+      </p:nvGrpSpPr>
+      <p:grpSpPr>
+        <a:xfrm>
+          <a:off x="0" y="0"/>
+          <a:ext cx="0" cy="0"/>
+          <a:chOff x="0" y="0"/>
+          <a:chExt cx="0" cy="0"/>
+        </a:xfrm>
+      </p:grpSpPr>
+      <p:sp>
+        <p:nvSpPr>
+          <p:cNvPr id="2" name="Title 1">
+            <a:extLst>
+              <a:ext uri="{FF2B5EF4-FFF2-40B4-BE49-F238E27FC236}">
+                <a16:creationId xmlns:a16="http://schemas.microsoft.com/office/drawing/2014/main" id="{4CB8407C-2099-4EAB-9625-AB3791E7C408}"/>
+              </a:ext>
+            </a:extLst>
+          </p:cNvPr>
+          <p:cNvSpPr>
+            <a:spLocks noGrp="1"/>
+          </p:cNvSpPr>
+          <p:nvPr>
+            <p:ph type="ctrTitle"/>
+          </p:nvPr>
+        </p:nvSpPr>
+        <p:spPr/>
+        <p:txBody>
+          <a:bodyPr/>
+          <a:lstStyle/>
+          <a:p>
+            <a:r>
+              <a:rPr lang="en-US"/>
+              <a:t>Questions?</a:t>
+            </a:r>
+          </a:p>
+        </p:txBody>
+      </p:sp>
+      <p:sp>
+        <p:nvSpPr>
+          <p:cNvPr id="3" name="Subtitle 2">
+            <a:extLst>
+              <a:ext uri="{FF2B5EF4-FFF2-40B4-BE49-F238E27FC236}">
+                <a16:creationId xmlns:a16="http://schemas.microsoft.com/office/drawing/2014/main" id="{7EF84F78-5F5D-45CE-8D7C-88601550DD88}"/>
+              </a:ext>
+            </a:extLst>
+          </p:cNvPr>
+          <p:cNvSpPr>
+            <a:spLocks noGrp="1"/>
+          </p:cNvSpPr>
+          <p:nvPr>
+            <p:ph type="subTitle" idx="1"/>
+          </p:nvPr>
+        </p:nvSpPr>
+        <p:spPr/>
+        <p:txBody>
+          <a:bodyPr/>
+          <a:lstStyle/>
+          <a:p>
+            <a:endParaRPr lang="en-US"/>
+          </a:p>
+        </p:txBody>
+      </p:sp>
+    </p:spTree>
+    <p:extLst>
+      <p:ext uri="{BB962C8B-B14F-4D97-AF65-F5344CB8AC3E}">
+        <p14:creationId xmlns:p14="http://schemas.microsoft.com/office/powerpoint/2010/main" val="4206401723"/>
+      </p:ext>
+    </p:extLst>
+  </p:cSld>
+  <p:clrMapOvr>
+    <a:masterClrMapping/>
+  </p:clrMapOvr>
+</p:sld>
+</file>
+
 <file path=ppt/slides/slide2.xml><?xml version="1.0" encoding="utf-8"?>
 <p:sld xmlns:a="http://schemas.openxmlformats.org/drawingml/2006/main" xmlns:r="http://schemas.openxmlformats.org/officeDocument/2006/relationships" xmlns:p="http://schemas.openxmlformats.org/presentationml/2006/main">
   <p:cSld>
@@ -6840,8 +6924,8 @@
         </p:nvSpPr>
         <p:spPr>
           <a:xfrm rot="2397239">
-            <a:off x="9191537" y="2771028"/>
-            <a:ext cx="2453139" cy="1549360"/>
+            <a:off x="9192303" y="2944025"/>
+            <a:ext cx="2603912" cy="1337786"/>
           </a:xfrm>
           <a:prstGeom prst="star12">
             <a:avLst/>
@@ -6962,7 +7046,7 @@
             <a:pPr algn="ctr"/>
             <a:r>
               <a:rPr lang="en-US" sz="2800" b="1" dirty="0"/>
-              <a:t>Demo!</a:t>
+              <a:t>Demos!</a:t>
             </a:r>
           </a:p>
         </p:txBody>
@@ -7002,7 +7086,7 @@
           <p:cNvPr id="2" name="Title 1">
             <a:extLst>
               <a:ext uri="{FF2B5EF4-FFF2-40B4-BE49-F238E27FC236}">
-                <a16:creationId xmlns:a16="http://schemas.microsoft.com/office/drawing/2014/main" id="{F85FA6AB-E9A7-4742-B422-A8AC4F584232}"/>
+                <a16:creationId xmlns:a16="http://schemas.microsoft.com/office/drawing/2014/main" id="{04B10A74-A4BB-479A-BC09-437743AB8158}"/>
               </a:ext>
             </a:extLst>
           </p:cNvPr>
@@ -7020,7 +7104,7 @@
           <a:p>
             <a:r>
               <a:rPr lang="en-US" dirty="0"/>
-              <a:t>And don’t forget…</a:t>
+              <a:t>Permissions and Data Access</a:t>
             </a:r>
           </a:p>
         </p:txBody>
@@ -7030,7 +7114,7 @@
           <p:cNvPr id="3" name="Content Placeholder 2">
             <a:extLst>
               <a:ext uri="{FF2B5EF4-FFF2-40B4-BE49-F238E27FC236}">
-                <a16:creationId xmlns:a16="http://schemas.microsoft.com/office/drawing/2014/main" id="{63CE3079-2ABD-4C8C-95B4-A700313A81ED}"/>
+                <a16:creationId xmlns:a16="http://schemas.microsoft.com/office/drawing/2014/main" id="{0EA649F8-CD4C-486A-8CF2-AB6871E35D56}"/>
               </a:ext>
             </a:extLst>
           </p:cNvPr>
@@ -7043,78 +7127,84 @@
         </p:nvSpPr>
         <p:spPr/>
         <p:txBody>
-          <a:bodyPr>
-            <a:normAutofit lnSpcReduction="10000"/>
-          </a:bodyPr>
-          <a:lstStyle/>
-          <a:p>
-            <a:r>
-              <a:rPr lang="en-US" dirty="0"/>
-              <a:t>Minimize TSQL parsing</a:t>
-            </a:r>
-          </a:p>
-          <a:p>
-            <a:r>
-              <a:rPr lang="en-US" dirty="0"/>
-              <a:t>Process sets of data – avoid server-side cursors</a:t>
-            </a:r>
-          </a:p>
-          <a:p>
-            <a:r>
-              <a:rPr lang="en-US" dirty="0"/>
-              <a:t>Don’t reimplement database features</a:t>
+          <a:bodyPr/>
+          <a:lstStyle/>
+          <a:p>
+            <a:r>
+              <a:rPr lang="en-US" dirty="0"/>
+              <a:t>Database, Schema or Object level?</a:t>
+            </a:r>
+          </a:p>
+          <a:p>
+            <a:r>
+              <a:rPr lang="en-US" dirty="0"/>
+              <a:t>Straight SQL</a:t>
             </a:r>
           </a:p>
           <a:p>
             <a:pPr lvl="1"/>
             <a:r>
-              <a:rPr lang="en-US" dirty="0"/>
-              <a:t>Foreign keys, database integrity, joins, locking, etc.</a:t>
-            </a:r>
-          </a:p>
-          <a:p>
-            <a:r>
-              <a:rPr lang="en-US" dirty="0"/>
-              <a:t>Parameters</a:t>
+              <a:rPr lang="en-US" dirty="0" err="1"/>
+              <a:t>db_datareader</a:t>
+            </a:r>
+            <a:r>
+              <a:rPr lang="en-US" dirty="0"/>
+              <a:t>, </a:t>
+            </a:r>
+            <a:r>
+              <a:rPr lang="en-US" dirty="0" err="1"/>
+              <a:t>db_datawriter</a:t>
+            </a:r>
+            <a:r>
+              <a:rPr lang="en-US" dirty="0"/>
+              <a:t>, EXEC?</a:t>
             </a:r>
           </a:p>
           <a:p>
             <a:pPr lvl="1"/>
             <a:r>
               <a:rPr lang="en-US" dirty="0"/>
-              <a:t>Unicode vs ASCII</a:t>
+              <a:t>Per-schema or per-object permissions?</a:t>
+            </a:r>
+          </a:p>
+          <a:p>
+            <a:r>
+              <a:rPr lang="en-US" dirty="0"/>
+              <a:t>Stored Procedures</a:t>
             </a:r>
           </a:p>
           <a:p>
             <a:pPr lvl="1"/>
             <a:r>
               <a:rPr lang="en-US" dirty="0"/>
-              <a:t>Set a consistent length</a:t>
+              <a:t>EXEC </a:t>
+            </a:r>
+          </a:p>
+          <a:p>
+            <a:r>
+              <a:rPr lang="en-US" dirty="0"/>
+              <a:t>Consider a read-only role and schema?  Maybe [</a:t>
+            </a:r>
+            <a:r>
+              <a:rPr lang="en-US" dirty="0" err="1"/>
+              <a:t>rpt</a:t>
+            </a:r>
+            <a:r>
+              <a:rPr lang="en-US" dirty="0"/>
+              <a:t>]?</a:t>
+            </a:r>
+          </a:p>
+          <a:p>
+            <a:r>
+              <a:rPr lang="en-US" dirty="0"/>
+              <a:t>ORM</a:t>
             </a:r>
           </a:p>
           <a:p>
             <a:pPr lvl="1"/>
             <a:r>
               <a:rPr lang="en-US" dirty="0"/>
-              <a:t>Limits SQL Injection</a:t>
-            </a:r>
-          </a:p>
-          <a:p>
-            <a:r>
-              <a:rPr lang="en-US" dirty="0"/>
-              <a:t>Writing SQL in a loop is a bad, bad idea</a:t>
-            </a:r>
-          </a:p>
-          <a:p>
-            <a:r>
-              <a:rPr lang="en-US" dirty="0"/>
-              <a:t>Consider caching frequently used queries</a:t>
-            </a:r>
-          </a:p>
-          <a:p>
-            <a:r>
-              <a:rPr lang="en-US" dirty="0"/>
-              <a:t>Profile applications that have been in production</a:t>
+              <a:t>Probably like straight SQL</a:t>
             </a:r>
           </a:p>
         </p:txBody>
@@ -7122,7 +7212,7 @@
     </p:spTree>
     <p:extLst>
       <p:ext uri="{BB962C8B-B14F-4D97-AF65-F5344CB8AC3E}">
-        <p14:creationId xmlns:p14="http://schemas.microsoft.com/office/powerpoint/2010/main" val="2230099424"/>
+        <p14:creationId xmlns:p14="http://schemas.microsoft.com/office/powerpoint/2010/main" val="3830560975"/>
       </p:ext>
     </p:extLst>
   </p:cSld>
@@ -7154,7 +7244,7 @@
           <p:cNvPr id="2" name="Title 1">
             <a:extLst>
               <a:ext uri="{FF2B5EF4-FFF2-40B4-BE49-F238E27FC236}">
-                <a16:creationId xmlns:a16="http://schemas.microsoft.com/office/drawing/2014/main" id="{8490DCF2-0A28-4F86-81A1-955B69B4B1A4}"/>
+                <a16:creationId xmlns:a16="http://schemas.microsoft.com/office/drawing/2014/main" id="{F85FA6AB-E9A7-4742-B422-A8AC4F584232}"/>
               </a:ext>
             </a:extLst>
           </p:cNvPr>
@@ -7172,13 +7262,8 @@
           <a:p>
             <a:r>
               <a:rPr lang="en-US" dirty="0"/>
-              <a:t>Getting the data … </a:t>
-            </a:r>
-            <a:r>
-              <a:rPr lang="en-US"/>
-              <a:t>The Decision!</a:t>
-            </a:r>
-            <a:endParaRPr lang="en-US" dirty="0"/>
+              <a:t>And don’t forget…</a:t>
+            </a:r>
           </a:p>
         </p:txBody>
       </p:sp>
@@ -7187,7 +7272,7 @@
           <p:cNvPr id="3" name="Content Placeholder 2">
             <a:extLst>
               <a:ext uri="{FF2B5EF4-FFF2-40B4-BE49-F238E27FC236}">
-                <a16:creationId xmlns:a16="http://schemas.microsoft.com/office/drawing/2014/main" id="{8A6C7AC5-AC8F-41D0-AAB6-036F0EE8EBEA}"/>
+                <a16:creationId xmlns:a16="http://schemas.microsoft.com/office/drawing/2014/main" id="{63CE3079-2ABD-4C8C-95B4-A700313A81ED}"/>
               </a:ext>
             </a:extLst>
           </p:cNvPr>
@@ -7201,77 +7286,77 @@
         <p:spPr/>
         <p:txBody>
           <a:bodyPr>
-            <a:normAutofit/>
+            <a:normAutofit lnSpcReduction="10000"/>
           </a:bodyPr>
           <a:lstStyle/>
           <a:p>
             <a:r>
               <a:rPr lang="en-US" dirty="0"/>
-              <a:t>Straight SQL</a:t>
+              <a:t>Minimize TSQL parsing</a:t>
+            </a:r>
+          </a:p>
+          <a:p>
+            <a:r>
+              <a:rPr lang="en-US" dirty="0"/>
+              <a:t>Process sets of data – avoid server-side cursors</a:t>
+            </a:r>
+          </a:p>
+          <a:p>
+            <a:r>
+              <a:rPr lang="en-US" dirty="0"/>
+              <a:t>Don’t reimplement database features</a:t>
             </a:r>
           </a:p>
           <a:p>
             <a:pPr lvl="1"/>
             <a:r>
               <a:rPr lang="en-US" dirty="0"/>
-              <a:t>Embed SQL or stored procedures in an application and use </a:t>
-            </a:r>
-            <a:r>
-              <a:rPr lang="en-US" dirty="0" err="1"/>
-              <a:t>SqlDataReaders</a:t>
-            </a:r>
-            <a:endParaRPr lang="en-US" dirty="0"/>
-          </a:p>
-          <a:p>
-            <a:r>
-              <a:rPr lang="en-US" dirty="0"/>
-              <a:t>Mapper like Dapper</a:t>
+              <a:t>Foreign keys, database integrity, joins, locking, etc.</a:t>
+            </a:r>
+          </a:p>
+          <a:p>
+            <a:r>
+              <a:rPr lang="en-US" dirty="0"/>
+              <a:t>Parameters</a:t>
             </a:r>
           </a:p>
           <a:p>
             <a:pPr lvl="1"/>
             <a:r>
               <a:rPr lang="en-US" dirty="0"/>
-              <a:t>Like above but use Dapper to map to classes</a:t>
-            </a:r>
-          </a:p>
-          <a:p>
-            <a:r>
-              <a:rPr lang="en-US" dirty="0"/>
-              <a:t>ORM like Entity Framework</a:t>
+              <a:t>Unicode vs ASCII</a:t>
             </a:r>
           </a:p>
           <a:p>
             <a:pPr lvl="1"/>
             <a:r>
               <a:rPr lang="en-US" dirty="0"/>
-              <a:t>SQL reuses parametrized queries better</a:t>
+              <a:t>Set a consistent length</a:t>
             </a:r>
           </a:p>
           <a:p>
             <a:pPr lvl="1"/>
             <a:r>
               <a:rPr lang="en-US" dirty="0"/>
-              <a:t>The SQL can be HORRIBLE!  But still reusable</a:t>
-            </a:r>
-          </a:p>
-          <a:p>
-            <a:r>
-              <a:rPr lang="en-US" dirty="0"/>
-              <a:t>Stored Procedures let you update SQL without deploying apps</a:t>
-            </a:r>
-          </a:p>
-          <a:p>
-            <a:pPr lvl="1"/>
-            <a:r>
-              <a:rPr lang="en-US" dirty="0"/>
-              <a:t>Adding NOLOCKs</a:t>
-            </a:r>
-          </a:p>
-          <a:p>
-            <a:r>
-              <a:rPr lang="en-US" b="1" dirty="0"/>
-              <a:t>Be consistent and do what you’re best at</a:t>
+              <a:t>Limits SQL Injection</a:t>
+            </a:r>
+          </a:p>
+          <a:p>
+            <a:r>
+              <a:rPr lang="en-US" dirty="0"/>
+              <a:t>Writing SQL in a loop is a bad, bad idea</a:t>
+            </a:r>
+          </a:p>
+          <a:p>
+            <a:r>
+              <a:rPr lang="en-US" dirty="0"/>
+              <a:t>Consider caching frequently used queries</a:t>
+            </a:r>
+          </a:p>
+          <a:p>
+            <a:r>
+              <a:rPr lang="en-US" dirty="0"/>
+              <a:t>Profile applications that have been in production</a:t>
             </a:r>
           </a:p>
         </p:txBody>
@@ -7279,7 +7364,7 @@
     </p:spTree>
     <p:extLst>
       <p:ext uri="{BB962C8B-B14F-4D97-AF65-F5344CB8AC3E}">
-        <p14:creationId xmlns:p14="http://schemas.microsoft.com/office/powerpoint/2010/main" val="289381163"/>
+        <p14:creationId xmlns:p14="http://schemas.microsoft.com/office/powerpoint/2010/main" val="2230099424"/>
       </p:ext>
     </p:extLst>
   </p:cSld>
@@ -7311,7 +7396,7 @@
           <p:cNvPr id="2" name="Title 1">
             <a:extLst>
               <a:ext uri="{FF2B5EF4-FFF2-40B4-BE49-F238E27FC236}">
-                <a16:creationId xmlns:a16="http://schemas.microsoft.com/office/drawing/2014/main" id="{4CB8407C-2099-4EAB-9625-AB3791E7C408}"/>
+                <a16:creationId xmlns:a16="http://schemas.microsoft.com/office/drawing/2014/main" id="{8490DCF2-0A28-4F86-81A1-955B69B4B1A4}"/>
               </a:ext>
             </a:extLst>
           </p:cNvPr>
@@ -7319,7 +7404,7 @@
             <a:spLocks noGrp="1"/>
           </p:cNvSpPr>
           <p:nvPr>
-            <p:ph type="ctrTitle"/>
+            <p:ph type="title"/>
           </p:nvPr>
         </p:nvSpPr>
         <p:spPr/>
@@ -7328,18 +7413,23 @@
           <a:lstStyle/>
           <a:p>
             <a:r>
-              <a:rPr lang="en-US"/>
-              <a:t>Questions?</a:t>
-            </a:r>
-          </a:p>
-        </p:txBody>
-      </p:sp>
-      <p:sp>
-        <p:nvSpPr>
-          <p:cNvPr id="3" name="Subtitle 2">
+              <a:rPr lang="en-US" dirty="0"/>
+              <a:t>Getting the data … </a:t>
+            </a:r>
+            <a:r>
+              <a:rPr lang="en-US"/>
+              <a:t>The Decision!</a:t>
+            </a:r>
+            <a:endParaRPr lang="en-US" dirty="0"/>
+          </a:p>
+        </p:txBody>
+      </p:sp>
+      <p:sp>
+        <p:nvSpPr>
+          <p:cNvPr id="3" name="Content Placeholder 2">
             <a:extLst>
               <a:ext uri="{FF2B5EF4-FFF2-40B4-BE49-F238E27FC236}">
-                <a16:creationId xmlns:a16="http://schemas.microsoft.com/office/drawing/2014/main" id="{7EF84F78-5F5D-45CE-8D7C-88601550DD88}"/>
+                <a16:creationId xmlns:a16="http://schemas.microsoft.com/office/drawing/2014/main" id="{8A6C7AC5-AC8F-41D0-AAB6-036F0EE8EBEA}"/>
               </a:ext>
             </a:extLst>
           </p:cNvPr>
@@ -7347,22 +7437,74 @@
             <a:spLocks noGrp="1"/>
           </p:cNvSpPr>
           <p:nvPr>
-            <p:ph type="subTitle" idx="1"/>
+            <p:ph idx="1"/>
           </p:nvPr>
         </p:nvSpPr>
         <p:spPr/>
         <p:txBody>
-          <a:bodyPr/>
-          <a:lstStyle/>
-          <a:p>
-            <a:endParaRPr lang="en-US"/>
+          <a:bodyPr>
+            <a:normAutofit/>
+          </a:bodyPr>
+          <a:lstStyle/>
+          <a:p>
+            <a:r>
+              <a:rPr lang="en-US" b="1" dirty="0"/>
+              <a:t>Be consistent and do what you’re best at</a:t>
+            </a:r>
+          </a:p>
+          <a:p>
+            <a:r>
+              <a:rPr lang="en-US" dirty="0"/>
+              <a:t>Options</a:t>
+            </a:r>
+          </a:p>
+          <a:p>
+            <a:pPr lvl="1"/>
+            <a:r>
+              <a:rPr lang="en-US" dirty="0"/>
+              <a:t>Straight SQL</a:t>
+            </a:r>
+          </a:p>
+          <a:p>
+            <a:pPr lvl="1"/>
+            <a:r>
+              <a:rPr lang="en-US" dirty="0"/>
+              <a:t>Mapper like Dapper</a:t>
+            </a:r>
+          </a:p>
+          <a:p>
+            <a:pPr lvl="1"/>
+            <a:r>
+              <a:rPr lang="en-US" dirty="0"/>
+              <a:t>ORM like Entity Framework</a:t>
+            </a:r>
+          </a:p>
+          <a:p>
+            <a:pPr lvl="1"/>
+            <a:r>
+              <a:rPr lang="en-US" dirty="0"/>
+              <a:t>Stored Procedures let you update SQL without deploying apps</a:t>
+            </a:r>
+          </a:p>
+          <a:p>
+            <a:r>
+              <a:rPr lang="en-US" dirty="0"/>
+              <a:t>Can mix them</a:t>
+            </a:r>
+          </a:p>
+          <a:p>
+            <a:pPr lvl="1"/>
+            <a:r>
+              <a:rPr lang="en-US" dirty="0"/>
+              <a:t>Use EF or ORM until you hit a complex or performance issue</a:t>
+            </a:r>
           </a:p>
         </p:txBody>
       </p:sp>
     </p:spTree>
     <p:extLst>
       <p:ext uri="{BB962C8B-B14F-4D97-AF65-F5344CB8AC3E}">
-        <p14:creationId xmlns:p14="http://schemas.microsoft.com/office/powerpoint/2010/main" val="4206401723"/>
+        <p14:creationId xmlns:p14="http://schemas.microsoft.com/office/powerpoint/2010/main" val="289381163"/>
       </p:ext>
     </p:extLst>
   </p:cSld>
